--- a/Freikarte/Freikarte.pptx
+++ b/Freikarte/Freikarte.pptx
@@ -201,7 +201,7 @@
           <a:p>
             <a:fld id="{DD7A25D8-F173-4133-85F8-CB962D678EB5}" type="datetimeFigureOut">
               <a:rPr lang="de-DE" smtClean="0"/>
-              <a:t>14.01.2019</a:t>
+              <a:t>06.12.2019</a:t>
             </a:fld>
             <a:endParaRPr lang="de-DE"/>
           </a:p>
@@ -265,38 +265,37 @@
           <a:p>
             <a:pPr lvl="0"/>
             <a:r>
-              <a:rPr lang="de-DE" smtClean="0"/>
+              <a:rPr lang="de-DE"/>
               <a:t>Formatvorlagen des Textmasters bearbeiten</a:t>
             </a:r>
           </a:p>
           <a:p>
             <a:pPr lvl="1"/>
             <a:r>
-              <a:rPr lang="de-DE" smtClean="0"/>
+              <a:rPr lang="de-DE"/>
               <a:t>Zweite Ebene</a:t>
             </a:r>
           </a:p>
           <a:p>
             <a:pPr lvl="2"/>
             <a:r>
-              <a:rPr lang="de-DE" smtClean="0"/>
+              <a:rPr lang="de-DE"/>
               <a:t>Dritte Ebene</a:t>
             </a:r>
           </a:p>
           <a:p>
             <a:pPr lvl="3"/>
             <a:r>
-              <a:rPr lang="de-DE" smtClean="0"/>
+              <a:rPr lang="de-DE"/>
               <a:t>Vierte Ebene</a:t>
             </a:r>
           </a:p>
           <a:p>
             <a:pPr lvl="4"/>
             <a:r>
-              <a:rPr lang="de-DE" smtClean="0"/>
+              <a:rPr lang="de-DE"/>
               <a:t>Fünfte Ebene</a:t>
             </a:r>
-            <a:endParaRPr lang="de-DE"/>
           </a:p>
         </p:txBody>
       </p:sp>
@@ -511,7 +510,7 @@
           </a:lstStyle>
           <a:p>
             <a:r>
-              <a:rPr lang="de-DE" smtClean="0"/>
+              <a:rPr lang="de-DE"/>
               <a:t>Titelmasterformat durch Klicken bearbeiten</a:t>
             </a:r>
             <a:endParaRPr lang="en-US" dirty="0"/>
@@ -576,7 +575,7 @@
           </a:lstStyle>
           <a:p>
             <a:r>
-              <a:rPr lang="de-DE" smtClean="0"/>
+              <a:rPr lang="de-DE"/>
               <a:t>Formatvorlage des Untertitelmasters durch Klicken bearbeiten</a:t>
             </a:r>
             <a:endParaRPr lang="en-US" dirty="0"/>
@@ -600,7 +599,7 @@
           <a:p>
             <a:fld id="{FC9269F9-6F79-4414-A84E-D81C6C443C37}" type="datetimeFigureOut">
               <a:rPr lang="de-DE" smtClean="0"/>
-              <a:t>14.01.2019</a:t>
+              <a:t>06.12.2019</a:t>
             </a:fld>
             <a:endParaRPr lang="de-DE"/>
           </a:p>
@@ -658,13 +657,6 @@
   <p:clrMapOvr>
     <a:masterClrMapping/>
   </p:clrMapOvr>
-  <p:timing>
-    <p:tnLst>
-      <p:par>
-        <p:cTn id="1" dur="indefinite" restart="never" nodeType="tmRoot"/>
-      </p:par>
-    </p:tnLst>
-  </p:timing>
 </p:sldLayout>
 </file>
 
@@ -807,7 +799,7 @@
           </a:lstStyle>
           <a:p>
             <a:r>
-              <a:rPr lang="de-DE" dirty="0" smtClean="0"/>
+              <a:rPr lang="de-DE" dirty="0"/>
               <a:t>Titelmasterformat durch Klicken bearbeiten</a:t>
             </a:r>
             <a:endParaRPr lang="en-US" dirty="0"/>
@@ -1021,10 +1013,9 @@
           <a:p>
             <a:pPr lvl="0"/>
             <a:r>
-              <a:rPr lang="de-DE" dirty="0" smtClean="0"/>
+              <a:rPr lang="de-DE" dirty="0"/>
               <a:t>Aufgabentext</a:t>
             </a:r>
-            <a:endParaRPr lang="de-DE" dirty="0"/>
           </a:p>
         </p:txBody>
       </p:sp>
@@ -1051,10 +1042,9 @@
           <a:lstStyle/>
           <a:p>
             <a:r>
-              <a:rPr lang="de-DE" b="1" dirty="0" smtClean="0"/>
+              <a:rPr lang="de-DE" b="1" dirty="0"/>
               <a:t>Challenge</a:t>
             </a:r>
-            <a:endParaRPr lang="de-DE" b="1" dirty="0"/>
           </a:p>
         </p:txBody>
       </p:sp>
@@ -1091,10 +1081,9 @@
           <a:p>
             <a:pPr lvl="0"/>
             <a:r>
-              <a:rPr lang="de-DE" dirty="0" smtClean="0"/>
+              <a:rPr lang="de-DE" dirty="0"/>
               <a:t>Schwierigkeitsgrad</a:t>
             </a:r>
-            <a:endParaRPr lang="de-DE" dirty="0"/>
           </a:p>
         </p:txBody>
       </p:sp>
@@ -1131,7 +1120,7 @@
           <a:p>
             <a:pPr lvl="0"/>
             <a:r>
-              <a:rPr lang="de-DE" sz="3200" dirty="0" smtClean="0"/>
+              <a:rPr lang="de-DE" sz="3200" dirty="0"/>
               <a:t>N</a:t>
             </a:r>
             <a:endParaRPr lang="de-DE" dirty="0"/>
@@ -1249,6 +1238,42 @@
           </a:prstGeom>
         </p:spPr>
       </p:pic>
+      <p:pic>
+        <p:nvPicPr>
+          <p:cNvPr id="27" name="Grafik 26">
+            <a:extLst>
+              <a:ext uri="{FF2B5EF4-FFF2-40B4-BE49-F238E27FC236}">
+                <a16:creationId xmlns:a16="http://schemas.microsoft.com/office/drawing/2014/main" id="{D3B2E33E-4D24-4C29-9503-19AD3E66A492}"/>
+              </a:ext>
+            </a:extLst>
+          </p:cNvPr>
+          <p:cNvPicPr>
+            <a:picLocks noChangeAspect="1"/>
+          </p:cNvPicPr>
+          <p:nvPr userDrawn="1"/>
+        </p:nvPicPr>
+        <p:blipFill>
+          <a:blip r:embed="rId4" cstate="print">
+            <a:extLst>
+              <a:ext uri="{28A0092B-C50C-407E-A947-70E740481C1C}">
+                <a14:useLocalDpi xmlns:a14="http://schemas.microsoft.com/office/drawing/2010/main" val="0"/>
+              </a:ext>
+            </a:extLst>
+          </a:blip>
+          <a:stretch>
+            <a:fillRect/>
+          </a:stretch>
+        </p:blipFill>
+        <p:spPr>
+          <a:xfrm>
+            <a:off x="2074069" y="9099550"/>
+            <a:ext cx="381000" cy="571500"/>
+          </a:xfrm>
+          <a:prstGeom prst="rect">
+            <a:avLst/>
+          </a:prstGeom>
+        </p:spPr>
+      </p:pic>
     </p:spTree>
     <p:extLst>
       <p:ext uri="{BB962C8B-B14F-4D97-AF65-F5344CB8AC3E}">
@@ -1259,13 +1284,6 @@
   <p:clrMapOvr>
     <a:masterClrMapping/>
   </p:clrMapOvr>
-  <p:timing>
-    <p:tnLst>
-      <p:par>
-        <p:cTn id="1" dur="indefinite" restart="never" nodeType="tmRoot"/>
-      </p:par>
-    </p:tnLst>
-  </p:timing>
 </p:sldLayout>
 </file>
 
@@ -1408,7 +1426,7 @@
           </a:lstStyle>
           <a:p>
             <a:r>
-              <a:rPr lang="de-DE" dirty="0" smtClean="0"/>
+              <a:rPr lang="de-DE" dirty="0"/>
               <a:t>Titelmasterformat durch Klicken bearbeiten</a:t>
             </a:r>
             <a:endParaRPr lang="en-US" dirty="0"/>
@@ -1658,6 +1676,42 @@
           </a:prstGeom>
         </p:spPr>
       </p:pic>
+      <p:pic>
+        <p:nvPicPr>
+          <p:cNvPr id="20" name="Grafik 19">
+            <a:extLst>
+              <a:ext uri="{FF2B5EF4-FFF2-40B4-BE49-F238E27FC236}">
+                <a16:creationId xmlns:a16="http://schemas.microsoft.com/office/drawing/2014/main" id="{38AB3C9C-1A09-4A33-8421-4246059BD07A}"/>
+              </a:ext>
+            </a:extLst>
+          </p:cNvPr>
+          <p:cNvPicPr>
+            <a:picLocks noChangeAspect="1"/>
+          </p:cNvPicPr>
+          <p:nvPr userDrawn="1"/>
+        </p:nvPicPr>
+        <p:blipFill>
+          <a:blip r:embed="rId4" cstate="print">
+            <a:extLst>
+              <a:ext uri="{28A0092B-C50C-407E-A947-70E740481C1C}">
+                <a14:useLocalDpi xmlns:a14="http://schemas.microsoft.com/office/drawing/2010/main" val="0"/>
+              </a:ext>
+            </a:extLst>
+          </a:blip>
+          <a:stretch>
+            <a:fillRect/>
+          </a:stretch>
+        </p:blipFill>
+        <p:spPr>
+          <a:xfrm>
+            <a:off x="2074069" y="9099550"/>
+            <a:ext cx="381000" cy="571500"/>
+          </a:xfrm>
+          <a:prstGeom prst="rect">
+            <a:avLst/>
+          </a:prstGeom>
+        </p:spPr>
+      </p:pic>
     </p:spTree>
     <p:extLst>
       <p:ext uri="{BB962C8B-B14F-4D97-AF65-F5344CB8AC3E}">
@@ -1668,13 +1722,6 @@
   <p:clrMapOvr>
     <a:masterClrMapping/>
   </p:clrMapOvr>
-  <p:timing>
-    <p:tnLst>
-      <p:par>
-        <p:cTn id="1" dur="indefinite" restart="never" nodeType="tmRoot"/>
-      </p:par>
-    </p:tnLst>
-  </p:timing>
 </p:sldLayout>
 </file>
 
@@ -1724,10 +1771,9 @@
           </a:lstStyle>
           <a:p>
             <a:r>
-              <a:rPr lang="de-DE" dirty="0" smtClean="0"/>
+              <a:rPr lang="de-DE" dirty="0"/>
               <a:t>Aufgabe</a:t>
             </a:r>
-            <a:endParaRPr lang="de-DE" dirty="0"/>
           </a:p>
         </p:txBody>
       </p:sp>
@@ -1748,7 +1794,7 @@
           <a:p>
             <a:fld id="{FC9269F9-6F79-4414-A84E-D81C6C443C37}" type="datetimeFigureOut">
               <a:rPr lang="de-DE" smtClean="0"/>
-              <a:t>14.01.2019</a:t>
+              <a:t>06.12.2019</a:t>
             </a:fld>
             <a:endParaRPr lang="de-DE"/>
           </a:p>
@@ -1819,14 +1865,11 @@
           <a:lstStyle/>
           <a:p>
             <a:r>
-              <a:rPr lang="de-DE" sz="3600" b="1" dirty="0" smtClean="0">
+              <a:rPr lang="de-DE" sz="3600" b="1" dirty="0">
                 <a:latin typeface="+mn-lt"/>
               </a:rPr>
               <a:t>Lösung</a:t>
             </a:r>
-            <a:endParaRPr lang="de-DE" sz="3600" b="1" dirty="0">
-              <a:latin typeface="+mn-lt"/>
-            </a:endParaRPr>
           </a:p>
         </p:txBody>
       </p:sp>
@@ -1889,10 +1932,9 @@
           <a:lstStyle/>
           <a:p>
             <a:r>
-              <a:rPr lang="de-DE" sz="1200" dirty="0" smtClean="0"/>
+              <a:rPr lang="de-DE" sz="1200" dirty="0"/>
               <a:t>Verwendete Befehlsgruppen</a:t>
             </a:r>
-            <a:endParaRPr lang="de-DE" sz="1200" dirty="0"/>
           </a:p>
         </p:txBody>
       </p:sp>
@@ -1979,10 +2021,9 @@
           <a:lstStyle/>
           <a:p>
             <a:r>
-              <a:rPr lang="de-DE" sz="1600" b="1" dirty="0" smtClean="0"/>
+              <a:rPr lang="de-DE" sz="1600" b="1" dirty="0"/>
               <a:t>Code</a:t>
             </a:r>
-            <a:endParaRPr lang="de-DE" sz="1600" b="1" dirty="0"/>
           </a:p>
         </p:txBody>
       </p:sp>
@@ -2018,38 +2059,37 @@
           <a:p>
             <a:pPr lvl="0"/>
             <a:r>
-              <a:rPr lang="de-DE" dirty="0" smtClean="0"/>
+              <a:rPr lang="de-DE" dirty="0"/>
               <a:t>Formatvorlagen des Textmasters bearbeiten</a:t>
             </a:r>
           </a:p>
           <a:p>
             <a:pPr lvl="1"/>
             <a:r>
-              <a:rPr lang="de-DE" dirty="0" smtClean="0"/>
+              <a:rPr lang="de-DE" dirty="0"/>
               <a:t>Zweite Ebene</a:t>
             </a:r>
           </a:p>
           <a:p>
             <a:pPr lvl="2"/>
             <a:r>
-              <a:rPr lang="de-DE" dirty="0" smtClean="0"/>
+              <a:rPr lang="de-DE" dirty="0"/>
               <a:t>Dritte Ebene</a:t>
             </a:r>
           </a:p>
           <a:p>
             <a:pPr lvl="3"/>
             <a:r>
-              <a:rPr lang="de-DE" dirty="0" smtClean="0"/>
+              <a:rPr lang="de-DE" dirty="0"/>
               <a:t>Vierte Ebene</a:t>
             </a:r>
           </a:p>
           <a:p>
             <a:pPr lvl="4"/>
             <a:r>
-              <a:rPr lang="de-DE" dirty="0" smtClean="0"/>
+              <a:rPr lang="de-DE" dirty="0"/>
               <a:t>Fünfte Ebene</a:t>
             </a:r>
-            <a:endParaRPr lang="de-DE" dirty="0"/>
           </a:p>
         </p:txBody>
       </p:sp>
@@ -2111,13 +2151,6 @@
   <p:clrMapOvr>
     <a:masterClrMapping/>
   </p:clrMapOvr>
-  <p:timing>
-    <p:tnLst>
-      <p:par>
-        <p:cTn id="1" dur="indefinite" restart="never" nodeType="tmRoot"/>
-      </p:par>
-    </p:tnLst>
-  </p:timing>
 </p:sldLayout>
 </file>
 
@@ -2165,10 +2198,9 @@
           </a:lstStyle>
           <a:p>
             <a:r>
-              <a:rPr lang="de-DE" dirty="0" smtClean="0"/>
+              <a:rPr lang="de-DE" dirty="0"/>
               <a:t>Titelmasterformat durch Klicken bearbeiten</a:t>
             </a:r>
-            <a:endParaRPr lang="de-DE" dirty="0"/>
           </a:p>
         </p:txBody>
       </p:sp>
@@ -2189,7 +2221,7 @@
           <a:p>
             <a:fld id="{FC9269F9-6F79-4414-A84E-D81C6C443C37}" type="datetimeFigureOut">
               <a:rPr lang="de-DE" smtClean="0"/>
-              <a:t>14.01.2019</a:t>
+              <a:t>06.12.2019</a:t>
             </a:fld>
             <a:endParaRPr lang="de-DE"/>
           </a:p>
@@ -2266,7 +2298,7 @@
           <a:p>
             <a:pPr lvl="0"/>
             <a:r>
-              <a:rPr lang="de-DE" b="1" dirty="0" smtClean="0"/>
+              <a:rPr lang="de-DE" b="1" dirty="0"/>
               <a:t>Rubrik</a:t>
             </a:r>
             <a:endParaRPr lang="de-DE" dirty="0"/>
@@ -2321,10 +2353,9 @@
           <a:p>
             <a:pPr lvl="0"/>
             <a:r>
-              <a:rPr lang="de-DE" dirty="0" smtClean="0"/>
+              <a:rPr lang="de-DE" dirty="0"/>
               <a:t>Formatvorlagen des Textmasters bearbeiten</a:t>
             </a:r>
-            <a:endParaRPr lang="de-DE" dirty="0"/>
           </a:p>
         </p:txBody>
       </p:sp>
@@ -2338,13 +2369,6 @@
   <p:clrMapOvr>
     <a:masterClrMapping/>
   </p:clrMapOvr>
-  <p:timing>
-    <p:tnLst>
-      <p:par>
-        <p:cTn id="1" dur="indefinite" restart="never" nodeType="tmRoot"/>
-      </p:par>
-    </p:tnLst>
-  </p:timing>
 </p:sldLayout>
 </file>
 
@@ -2632,34 +2656,34 @@
           <a:p>
             <a:pPr algn="ctr"/>
             <a:r>
-              <a:rPr lang="de-DE" b="1" dirty="0" smtClean="0"/>
+              <a:rPr lang="de-DE" b="1" dirty="0"/>
               <a:t>Veröffentlicht</a:t>
             </a:r>
             <a:r>
-              <a:rPr lang="de-DE" b="1" baseline="0" dirty="0" smtClean="0"/>
+              <a:rPr lang="de-DE" b="1" baseline="0" dirty="0"/>
               <a:t> unter CC BY SA</a:t>
             </a:r>
           </a:p>
           <a:p>
             <a:pPr algn="ctr"/>
-            <a:endParaRPr lang="de-DE" b="0" baseline="0" dirty="0" smtClean="0"/>
+            <a:endParaRPr lang="de-DE" b="0" baseline="0" dirty="0"/>
           </a:p>
           <a:p>
             <a:pPr algn="ctr"/>
             <a:r>
-              <a:rPr lang="de-DE" b="0" dirty="0" smtClean="0"/>
+              <a:rPr lang="de-DE" b="0" dirty="0"/>
               <a:t>Dieses Werk ist unter einer Creative </a:t>
             </a:r>
             <a:r>
-              <a:rPr lang="de-DE" b="0" dirty="0" err="1" smtClean="0"/>
+              <a:rPr lang="de-DE" b="0" dirty="0" err="1"/>
               <a:t>Commons</a:t>
             </a:r>
             <a:r>
-              <a:rPr lang="de-DE" b="0" dirty="0" smtClean="0"/>
+              <a:rPr lang="de-DE" b="0" dirty="0"/>
               <a:t> Lizenz vom Typ Namensnennung - Weitergabe unter gleichen Bedingungen 4.0 International zugänglich. Um eine Kopie dieser Lizenz einzusehen, konsultieren </a:t>
             </a:r>
             <a:r>
-              <a:rPr lang="de-DE" b="0" dirty="0" smtClean="0">
+              <a:rPr lang="de-DE" b="0" dirty="0">
                 <a:solidFill>
                   <a:schemeClr val="bg1"/>
                 </a:solidFill>
@@ -2667,18 +2691,17 @@
               <a:t>Sie http://creativecommons.org/licenses/by-sa/4.0/ oder </a:t>
             </a:r>
             <a:r>
-              <a:rPr lang="de-DE" b="0" dirty="0" smtClean="0"/>
+              <a:rPr lang="de-DE" b="0" dirty="0"/>
               <a:t>wenden Sie sich brieflich an Creative </a:t>
             </a:r>
             <a:r>
-              <a:rPr lang="de-DE" b="0" dirty="0" err="1" smtClean="0"/>
+              <a:rPr lang="de-DE" b="0" dirty="0" err="1"/>
               <a:t>Commons</a:t>
             </a:r>
             <a:r>
-              <a:rPr lang="de-DE" b="0" dirty="0" smtClean="0"/>
+              <a:rPr lang="de-DE" b="0" dirty="0"/>
               <a:t>, Postfach 1866, Mountain View, California, 94042, USA.</a:t>
             </a:r>
-            <a:endParaRPr lang="de-DE" b="0" dirty="0"/>
           </a:p>
         </p:txBody>
       </p:sp>
@@ -2837,38 +2860,37 @@
           <a:p>
             <a:pPr lvl="0"/>
             <a:r>
-              <a:rPr lang="de-DE" dirty="0" smtClean="0"/>
+              <a:rPr lang="de-DE" dirty="0"/>
               <a:t>Formatvorlagen des Textmasters bearbeiten</a:t>
             </a:r>
           </a:p>
           <a:p>
             <a:pPr lvl="1"/>
             <a:r>
-              <a:rPr lang="de-DE" dirty="0" smtClean="0"/>
+              <a:rPr lang="de-DE" dirty="0"/>
               <a:t>Zweite Ebene</a:t>
             </a:r>
           </a:p>
           <a:p>
             <a:pPr lvl="2"/>
             <a:r>
-              <a:rPr lang="de-DE" dirty="0" smtClean="0"/>
+              <a:rPr lang="de-DE" dirty="0"/>
               <a:t>Dritte Ebene</a:t>
             </a:r>
           </a:p>
           <a:p>
             <a:pPr lvl="3"/>
             <a:r>
-              <a:rPr lang="de-DE" dirty="0" smtClean="0"/>
+              <a:rPr lang="de-DE" dirty="0"/>
               <a:t>Vierte Ebene</a:t>
             </a:r>
           </a:p>
           <a:p>
             <a:pPr lvl="4"/>
             <a:r>
-              <a:rPr lang="de-DE" dirty="0" smtClean="0"/>
+              <a:rPr lang="de-DE" dirty="0"/>
               <a:t>Fünfte Ebene</a:t>
             </a:r>
-            <a:endParaRPr lang="de-DE" dirty="0"/>
           </a:p>
         </p:txBody>
       </p:sp>
@@ -2901,6 +2923,42 @@
           </a:prstGeom>
         </p:spPr>
       </p:pic>
+      <p:pic>
+        <p:nvPicPr>
+          <p:cNvPr id="15" name="Grafik 14">
+            <a:extLst>
+              <a:ext uri="{FF2B5EF4-FFF2-40B4-BE49-F238E27FC236}">
+                <a16:creationId xmlns:a16="http://schemas.microsoft.com/office/drawing/2014/main" id="{F9DBA174-A423-4A91-ABD8-23275ECE3679}"/>
+              </a:ext>
+            </a:extLst>
+          </p:cNvPr>
+          <p:cNvPicPr>
+            <a:picLocks noChangeAspect="1"/>
+          </p:cNvPicPr>
+          <p:nvPr userDrawn="1"/>
+        </p:nvPicPr>
+        <p:blipFill>
+          <a:blip r:embed="rId7" cstate="print">
+            <a:extLst>
+              <a:ext uri="{28A0092B-C50C-407E-A947-70E740481C1C}">
+                <a14:useLocalDpi xmlns:a14="http://schemas.microsoft.com/office/drawing/2010/main" val="0"/>
+              </a:ext>
+            </a:extLst>
+          </a:blip>
+          <a:stretch>
+            <a:fillRect/>
+          </a:stretch>
+        </p:blipFill>
+        <p:spPr>
+          <a:xfrm>
+            <a:off x="2074069" y="9099550"/>
+            <a:ext cx="381000" cy="571500"/>
+          </a:xfrm>
+          <a:prstGeom prst="rect">
+            <a:avLst/>
+          </a:prstGeom>
+        </p:spPr>
+      </p:pic>
     </p:spTree>
     <p:extLst>
       <p:ext uri="{BB962C8B-B14F-4D97-AF65-F5344CB8AC3E}">
@@ -2911,13 +2969,6 @@
   <p:clrMapOvr>
     <a:masterClrMapping/>
   </p:clrMapOvr>
-  <p:timing>
-    <p:tnLst>
-      <p:par>
-        <p:cTn id="1" dur="indefinite" restart="never" nodeType="tmRoot"/>
-      </p:par>
-    </p:tnLst>
-  </p:timing>
 </p:sldLayout>
 </file>
 
@@ -2965,10 +3016,9 @@
           </a:lstStyle>
           <a:p>
             <a:r>
-              <a:rPr lang="de-DE" dirty="0" smtClean="0"/>
+              <a:rPr lang="de-DE" dirty="0"/>
               <a:t>Titelmasterformat durch Klicken bearbeiten</a:t>
             </a:r>
-            <a:endParaRPr lang="de-DE" dirty="0"/>
           </a:p>
         </p:txBody>
       </p:sp>
@@ -2989,7 +3039,7 @@
           <a:p>
             <a:fld id="{FC9269F9-6F79-4414-A84E-D81C6C443C37}" type="datetimeFigureOut">
               <a:rPr lang="de-DE" smtClean="0"/>
-              <a:t>14.01.2019</a:t>
+              <a:t>06.12.2019</a:t>
             </a:fld>
             <a:endParaRPr lang="de-DE"/>
           </a:p>
@@ -3066,7 +3116,7 @@
           <a:p>
             <a:pPr lvl="0"/>
             <a:r>
-              <a:rPr lang="de-DE" b="1" dirty="0" smtClean="0"/>
+              <a:rPr lang="de-DE" b="1" dirty="0"/>
               <a:t>Rubrik</a:t>
             </a:r>
             <a:endParaRPr lang="de-DE" dirty="0"/>
@@ -3125,10 +3175,9 @@
           <a:p>
             <a:pPr lvl="0"/>
             <a:r>
-              <a:rPr lang="de-DE" dirty="0" smtClean="0"/>
+              <a:rPr lang="de-DE" dirty="0"/>
               <a:t>Formatvorlagen des Textmasters bearbeiten</a:t>
             </a:r>
-            <a:endParaRPr lang="de-DE" dirty="0"/>
           </a:p>
         </p:txBody>
       </p:sp>
@@ -3160,10 +3209,9 @@
           <a:p>
             <a:pPr lvl="0"/>
             <a:r>
-              <a:rPr lang="de-DE" dirty="0" smtClean="0"/>
+              <a:rPr lang="de-DE" dirty="0"/>
               <a:t>Legende</a:t>
             </a:r>
-            <a:endParaRPr lang="de-DE" dirty="0"/>
           </a:p>
         </p:txBody>
       </p:sp>
@@ -3177,13 +3225,6 @@
   <p:clrMapOvr>
     <a:masterClrMapping/>
   </p:clrMapOvr>
-  <p:timing>
-    <p:tnLst>
-      <p:par>
-        <p:cTn id="1" dur="indefinite" restart="never" nodeType="tmRoot"/>
-      </p:par>
-    </p:tnLst>
-  </p:timing>
 </p:sldLayout>
 </file>
 
@@ -3221,7 +3262,7 @@
           <a:p>
             <a:fld id="{FC9269F9-6F79-4414-A84E-D81C6C443C37}" type="datetimeFigureOut">
               <a:rPr lang="de-DE" smtClean="0"/>
-              <a:t>14.01.2019</a:t>
+              <a:t>06.12.2019</a:t>
             </a:fld>
             <a:endParaRPr lang="de-DE"/>
           </a:p>
@@ -3279,13 +3320,6 @@
   <p:clrMapOvr>
     <a:masterClrMapping/>
   </p:clrMapOvr>
-  <p:timing>
-    <p:tnLst>
-      <p:par>
-        <p:cTn id="1" dur="indefinite" restart="never" nodeType="tmRoot"/>
-      </p:par>
-    </p:tnLst>
-  </p:timing>
 </p:sldLayout>
 </file>
 
@@ -3337,7 +3371,7 @@
           <a:lstStyle/>
           <a:p>
             <a:r>
-              <a:rPr lang="de-DE" smtClean="0"/>
+              <a:rPr lang="de-DE"/>
               <a:t>Titelmasterformat durch Klicken bearbeiten</a:t>
             </a:r>
             <a:endParaRPr lang="en-US" dirty="0"/>
@@ -3371,35 +3405,35 @@
           <a:p>
             <a:pPr lvl="0"/>
             <a:r>
-              <a:rPr lang="de-DE" smtClean="0"/>
+              <a:rPr lang="de-DE"/>
               <a:t>Formatvorlagen des Textmasters bearbeiten</a:t>
             </a:r>
           </a:p>
           <a:p>
             <a:pPr lvl="1"/>
             <a:r>
-              <a:rPr lang="de-DE" smtClean="0"/>
+              <a:rPr lang="de-DE"/>
               <a:t>Zweite Ebene</a:t>
             </a:r>
           </a:p>
           <a:p>
             <a:pPr lvl="2"/>
             <a:r>
-              <a:rPr lang="de-DE" smtClean="0"/>
+              <a:rPr lang="de-DE"/>
               <a:t>Dritte Ebene</a:t>
             </a:r>
           </a:p>
           <a:p>
             <a:pPr lvl="3"/>
             <a:r>
-              <a:rPr lang="de-DE" smtClean="0"/>
+              <a:rPr lang="de-DE"/>
               <a:t>Vierte Ebene</a:t>
             </a:r>
           </a:p>
           <a:p>
             <a:pPr lvl="4"/>
             <a:r>
-              <a:rPr lang="de-DE" smtClean="0"/>
+              <a:rPr lang="de-DE"/>
               <a:t>Fünfte Ebene</a:t>
             </a:r>
             <a:endParaRPr lang="en-US" dirty="0"/>
@@ -3441,7 +3475,7 @@
           <a:p>
             <a:fld id="{FC9269F9-6F79-4414-A84E-D81C6C443C37}" type="datetimeFigureOut">
               <a:rPr lang="de-DE" smtClean="0"/>
-              <a:t>14.01.2019</a:t>
+              <a:t>06.12.2019</a:t>
             </a:fld>
             <a:endParaRPr lang="de-DE"/>
           </a:p>
@@ -3544,13 +3578,6 @@
     <p:sldLayoutId id="2147483674" r:id="rId7"/>
     <p:sldLayoutId id="2147483676" r:id="rId8"/>
   </p:sldLayoutIdLst>
-  <p:timing>
-    <p:tnLst>
-      <p:par>
-        <p:cTn id="1" dur="indefinite" restart="never" nodeType="tmRoot"/>
-      </p:par>
-    </p:tnLst>
-  </p:timing>
   <p:txStyles>
     <p:titleStyle>
       <a:lvl1pPr algn="l" defTabSz="685800" rtl="0" eaLnBrk="1" latinLnBrk="0" hangingPunct="1">
@@ -3867,18 +3894,9 @@
           <a:lstStyle/>
           <a:p>
             <a:r>
-              <a:rPr lang="de-DE" dirty="0" smtClean="0"/>
-              <a:t>Dein </a:t>
-            </a:r>
-            <a:r>
-              <a:rPr lang="de-DE" dirty="0" smtClean="0"/>
-              <a:t>eignes </a:t>
-            </a:r>
-            <a:r>
-              <a:rPr lang="de-DE" dirty="0" smtClean="0"/>
-              <a:t>Projekt</a:t>
-            </a:r>
-            <a:endParaRPr lang="de-DE" dirty="0"/>
+              <a:rPr lang="de-DE" dirty="0"/>
+              <a:t>Dein eignes Projekt</a:t>
+            </a:r>
           </a:p>
         </p:txBody>
       </p:sp>
@@ -3900,10 +3918,9 @@
           <a:lstStyle/>
           <a:p>
             <a:r>
-              <a:rPr lang="de-DE" dirty="0" smtClean="0"/>
+              <a:rPr lang="de-DE" dirty="0"/>
               <a:t>Entwickle und präsentiere ein eigenes kleines Programm.</a:t>
             </a:r>
-            <a:endParaRPr lang="de-DE" dirty="0"/>
           </a:p>
         </p:txBody>
       </p:sp>
@@ -3980,13 +3997,6 @@
   <p:clrMapOvr>
     <a:masterClrMapping/>
   </p:clrMapOvr>
-  <p:timing>
-    <p:tnLst>
-      <p:par>
-        <p:cTn id="1" dur="indefinite" restart="never" nodeType="tmRoot"/>
-      </p:par>
-    </p:tnLst>
-  </p:timing>
 </p:sld>
 </file>
 

--- a/Freikarte/Freikarte.pptx
+++ b/Freikarte/Freikarte.pptx
@@ -201,7 +201,7 @@
           <a:p>
             <a:fld id="{DD7A25D8-F173-4133-85F8-CB962D678EB5}" type="datetimeFigureOut">
               <a:rPr lang="de-DE" smtClean="0"/>
-              <a:t>06.12.2019</a:t>
+              <a:t>09.12.2019</a:t>
             </a:fld>
             <a:endParaRPr lang="de-DE"/>
           </a:p>
@@ -599,7 +599,7 @@
           <a:p>
             <a:fld id="{FC9269F9-6F79-4414-A84E-D81C6C443C37}" type="datetimeFigureOut">
               <a:rPr lang="de-DE" smtClean="0"/>
-              <a:t>06.12.2019</a:t>
+              <a:t>09.12.2019</a:t>
             </a:fld>
             <a:endParaRPr lang="de-DE"/>
           </a:p>
@@ -1181,7 +1181,13 @@
       </p:sp>
       <p:pic>
         <p:nvPicPr>
-          <p:cNvPr id="23" name="Grafik 22"/>
+          <p:cNvPr id="28" name="Grafik 27">
+            <a:extLst>
+              <a:ext uri="{FF2B5EF4-FFF2-40B4-BE49-F238E27FC236}">
+                <a16:creationId xmlns:a16="http://schemas.microsoft.com/office/drawing/2014/main" id="{AD12F271-BD86-4321-B67D-5EB6FA2EDD10}"/>
+              </a:ext>
+            </a:extLst>
+          </p:cNvPr>
           <p:cNvPicPr>
             <a:picLocks noChangeAspect="1"/>
           </p:cNvPicPr>
@@ -1211,7 +1217,13 @@
       </p:pic>
       <p:pic>
         <p:nvPicPr>
-          <p:cNvPr id="25" name="Grafik 24"/>
+          <p:cNvPr id="29" name="Grafik 28">
+            <a:extLst>
+              <a:ext uri="{FF2B5EF4-FFF2-40B4-BE49-F238E27FC236}">
+                <a16:creationId xmlns:a16="http://schemas.microsoft.com/office/drawing/2014/main" id="{1D2451B4-456B-46BC-9E7C-11A0D98466FE}"/>
+              </a:ext>
+            </a:extLst>
+          </p:cNvPr>
           <p:cNvPicPr>
             <a:picLocks noChangeAspect="1"/>
           </p:cNvPicPr>
@@ -1240,10 +1252,10 @@
       </p:pic>
       <p:pic>
         <p:nvPicPr>
-          <p:cNvPr id="27" name="Grafik 26">
+          <p:cNvPr id="30" name="Grafik 29">
             <a:extLst>
               <a:ext uri="{FF2B5EF4-FFF2-40B4-BE49-F238E27FC236}">
-                <a16:creationId xmlns:a16="http://schemas.microsoft.com/office/drawing/2014/main" id="{D3B2E33E-4D24-4C29-9503-19AD3E66A492}"/>
+                <a16:creationId xmlns:a16="http://schemas.microsoft.com/office/drawing/2014/main" id="{3E109DD4-49D7-4815-9545-8E9A3DBB6153}"/>
               </a:ext>
             </a:extLst>
           </p:cNvPr>
@@ -1268,6 +1280,42 @@
           <a:xfrm>
             <a:off x="2074069" y="9099550"/>
             <a:ext cx="381000" cy="571500"/>
+          </a:xfrm>
+          <a:prstGeom prst="rect">
+            <a:avLst/>
+          </a:prstGeom>
+        </p:spPr>
+      </p:pic>
+      <p:pic>
+        <p:nvPicPr>
+          <p:cNvPr id="31" name="Grafik 30">
+            <a:extLst>
+              <a:ext uri="{FF2B5EF4-FFF2-40B4-BE49-F238E27FC236}">
+                <a16:creationId xmlns:a16="http://schemas.microsoft.com/office/drawing/2014/main" id="{69991989-6104-426C-A73F-98259BEF5892}"/>
+              </a:ext>
+            </a:extLst>
+          </p:cNvPr>
+          <p:cNvPicPr>
+            <a:picLocks noChangeAspect="1"/>
+          </p:cNvPicPr>
+          <p:nvPr userDrawn="1"/>
+        </p:nvPicPr>
+        <p:blipFill>
+          <a:blip r:embed="rId5" cstate="print">
+            <a:extLst>
+              <a:ext uri="{28A0092B-C50C-407E-A947-70E740481C1C}">
+                <a14:useLocalDpi xmlns:a14="http://schemas.microsoft.com/office/drawing/2010/main" val="0"/>
+              </a:ext>
+            </a:extLst>
+          </a:blip>
+          <a:stretch>
+            <a:fillRect/>
+          </a:stretch>
+        </p:blipFill>
+        <p:spPr>
+          <a:xfrm>
+            <a:off x="3590172" y="8960427"/>
+            <a:ext cx="911392" cy="911392"/>
           </a:xfrm>
           <a:prstGeom prst="rect">
             <a:avLst/>
@@ -1619,7 +1667,13 @@
       </p:sp>
       <p:pic>
         <p:nvPicPr>
-          <p:cNvPr id="15" name="Grafik 14"/>
+          <p:cNvPr id="21" name="Grafik 20">
+            <a:extLst>
+              <a:ext uri="{FF2B5EF4-FFF2-40B4-BE49-F238E27FC236}">
+                <a16:creationId xmlns:a16="http://schemas.microsoft.com/office/drawing/2014/main" id="{2EA11AAB-C66A-4CE3-926E-D3EF7398CD7B}"/>
+              </a:ext>
+            </a:extLst>
+          </p:cNvPr>
           <p:cNvPicPr>
             <a:picLocks noChangeAspect="1"/>
           </p:cNvPicPr>
@@ -1649,7 +1703,13 @@
       </p:pic>
       <p:pic>
         <p:nvPicPr>
-          <p:cNvPr id="18" name="Grafik 17"/>
+          <p:cNvPr id="22" name="Grafik 21">
+            <a:extLst>
+              <a:ext uri="{FF2B5EF4-FFF2-40B4-BE49-F238E27FC236}">
+                <a16:creationId xmlns:a16="http://schemas.microsoft.com/office/drawing/2014/main" id="{C5E4AB63-5509-4C05-AC60-0D12EF8B3AFB}"/>
+              </a:ext>
+            </a:extLst>
+          </p:cNvPr>
           <p:cNvPicPr>
             <a:picLocks noChangeAspect="1"/>
           </p:cNvPicPr>
@@ -1678,10 +1738,10 @@
       </p:pic>
       <p:pic>
         <p:nvPicPr>
-          <p:cNvPr id="20" name="Grafik 19">
+          <p:cNvPr id="23" name="Grafik 22">
             <a:extLst>
               <a:ext uri="{FF2B5EF4-FFF2-40B4-BE49-F238E27FC236}">
-                <a16:creationId xmlns:a16="http://schemas.microsoft.com/office/drawing/2014/main" id="{38AB3C9C-1A09-4A33-8421-4246059BD07A}"/>
+                <a16:creationId xmlns:a16="http://schemas.microsoft.com/office/drawing/2014/main" id="{7189DD89-6B22-4519-9DC2-4E652E231885}"/>
               </a:ext>
             </a:extLst>
           </p:cNvPr>
@@ -1706,6 +1766,42 @@
           <a:xfrm>
             <a:off x="2074069" y="9099550"/>
             <a:ext cx="381000" cy="571500"/>
+          </a:xfrm>
+          <a:prstGeom prst="rect">
+            <a:avLst/>
+          </a:prstGeom>
+        </p:spPr>
+      </p:pic>
+      <p:pic>
+        <p:nvPicPr>
+          <p:cNvPr id="24" name="Grafik 23">
+            <a:extLst>
+              <a:ext uri="{FF2B5EF4-FFF2-40B4-BE49-F238E27FC236}">
+                <a16:creationId xmlns:a16="http://schemas.microsoft.com/office/drawing/2014/main" id="{51BB1B06-F996-4776-B839-8F7456BA9110}"/>
+              </a:ext>
+            </a:extLst>
+          </p:cNvPr>
+          <p:cNvPicPr>
+            <a:picLocks noChangeAspect="1"/>
+          </p:cNvPicPr>
+          <p:nvPr userDrawn="1"/>
+        </p:nvPicPr>
+        <p:blipFill>
+          <a:blip r:embed="rId5" cstate="print">
+            <a:extLst>
+              <a:ext uri="{28A0092B-C50C-407E-A947-70E740481C1C}">
+                <a14:useLocalDpi xmlns:a14="http://schemas.microsoft.com/office/drawing/2010/main" val="0"/>
+              </a:ext>
+            </a:extLst>
+          </a:blip>
+          <a:stretch>
+            <a:fillRect/>
+          </a:stretch>
+        </p:blipFill>
+        <p:spPr>
+          <a:xfrm>
+            <a:off x="3590172" y="8960427"/>
+            <a:ext cx="911392" cy="911392"/>
           </a:xfrm>
           <a:prstGeom prst="rect">
             <a:avLst/>
@@ -1794,7 +1890,7 @@
           <a:p>
             <a:fld id="{FC9269F9-6F79-4414-A84E-D81C6C443C37}" type="datetimeFigureOut">
               <a:rPr lang="de-DE" smtClean="0"/>
-              <a:t>06.12.2019</a:t>
+              <a:t>09.12.2019</a:t>
             </a:fld>
             <a:endParaRPr lang="de-DE"/>
           </a:p>
@@ -2141,6 +2237,149 @@
           </a:p>
         </p:txBody>
       </p:sp>
+      <p:pic>
+        <p:nvPicPr>
+          <p:cNvPr id="15" name="Grafik 14">
+            <a:extLst>
+              <a:ext uri="{FF2B5EF4-FFF2-40B4-BE49-F238E27FC236}">
+                <a16:creationId xmlns:a16="http://schemas.microsoft.com/office/drawing/2014/main" id="{E9C208B5-6A34-4670-833E-B1617FDA54E4}"/>
+              </a:ext>
+            </a:extLst>
+          </p:cNvPr>
+          <p:cNvPicPr>
+            <a:picLocks noChangeAspect="1"/>
+          </p:cNvPicPr>
+          <p:nvPr userDrawn="1"/>
+        </p:nvPicPr>
+        <p:blipFill>
+          <a:blip r:embed="rId2" cstate="print">
+            <a:extLst>
+              <a:ext uri="{28A0092B-C50C-407E-A947-70E740481C1C}">
+                <a14:useLocalDpi xmlns:a14="http://schemas.microsoft.com/office/drawing/2010/main" val="0"/>
+              </a:ext>
+            </a:extLst>
+          </a:blip>
+          <a:stretch>
+            <a:fillRect/>
+          </a:stretch>
+        </p:blipFill>
+        <p:spPr>
+          <a:xfrm>
+            <a:off x="4501564" y="9267750"/>
+            <a:ext cx="1884949" cy="324000"/>
+          </a:xfrm>
+          <a:prstGeom prst="rect">
+            <a:avLst/>
+          </a:prstGeom>
+        </p:spPr>
+      </p:pic>
+      <p:pic>
+        <p:nvPicPr>
+          <p:cNvPr id="17" name="Grafik 16">
+            <a:extLst>
+              <a:ext uri="{FF2B5EF4-FFF2-40B4-BE49-F238E27FC236}">
+                <a16:creationId xmlns:a16="http://schemas.microsoft.com/office/drawing/2014/main" id="{8A489D60-C9F0-45AB-A712-A2DFAEC83EE7}"/>
+              </a:ext>
+            </a:extLst>
+          </p:cNvPr>
+          <p:cNvPicPr>
+            <a:picLocks noChangeAspect="1"/>
+          </p:cNvPicPr>
+          <p:nvPr userDrawn="1"/>
+        </p:nvPicPr>
+        <p:blipFill rotWithShape="1">
+          <a:blip r:embed="rId3" cstate="print">
+            <a:extLst>
+              <a:ext uri="{28A0092B-C50C-407E-A947-70E740481C1C}">
+                <a14:useLocalDpi xmlns:a14="http://schemas.microsoft.com/office/drawing/2010/main" val="0"/>
+              </a:ext>
+            </a:extLst>
+          </a:blip>
+          <a:srcRect t="15984" b="15885"/>
+          <a:stretch/>
+        </p:blipFill>
+        <p:spPr>
+          <a:xfrm>
+            <a:off x="471488" y="9224307"/>
+            <a:ext cx="1604044" cy="453441"/>
+          </a:xfrm>
+          <a:prstGeom prst="rect">
+            <a:avLst/>
+          </a:prstGeom>
+        </p:spPr>
+      </p:pic>
+      <p:pic>
+        <p:nvPicPr>
+          <p:cNvPr id="19" name="Grafik 18">
+            <a:extLst>
+              <a:ext uri="{FF2B5EF4-FFF2-40B4-BE49-F238E27FC236}">
+                <a16:creationId xmlns:a16="http://schemas.microsoft.com/office/drawing/2014/main" id="{D630F42A-4A06-4208-A9FC-B692AF0304CE}"/>
+              </a:ext>
+            </a:extLst>
+          </p:cNvPr>
+          <p:cNvPicPr>
+            <a:picLocks noChangeAspect="1"/>
+          </p:cNvPicPr>
+          <p:nvPr userDrawn="1"/>
+        </p:nvPicPr>
+        <p:blipFill>
+          <a:blip r:embed="rId4" cstate="print">
+            <a:extLst>
+              <a:ext uri="{28A0092B-C50C-407E-A947-70E740481C1C}">
+                <a14:useLocalDpi xmlns:a14="http://schemas.microsoft.com/office/drawing/2010/main" val="0"/>
+              </a:ext>
+            </a:extLst>
+          </a:blip>
+          <a:stretch>
+            <a:fillRect/>
+          </a:stretch>
+        </p:blipFill>
+        <p:spPr>
+          <a:xfrm>
+            <a:off x="2074069" y="9099550"/>
+            <a:ext cx="381000" cy="571500"/>
+          </a:xfrm>
+          <a:prstGeom prst="rect">
+            <a:avLst/>
+          </a:prstGeom>
+        </p:spPr>
+      </p:pic>
+      <p:pic>
+        <p:nvPicPr>
+          <p:cNvPr id="21" name="Grafik 20">
+            <a:extLst>
+              <a:ext uri="{FF2B5EF4-FFF2-40B4-BE49-F238E27FC236}">
+                <a16:creationId xmlns:a16="http://schemas.microsoft.com/office/drawing/2014/main" id="{757EE39B-BBF9-49A2-AC62-0E10047B73D3}"/>
+              </a:ext>
+            </a:extLst>
+          </p:cNvPr>
+          <p:cNvPicPr>
+            <a:picLocks noChangeAspect="1"/>
+          </p:cNvPicPr>
+          <p:nvPr userDrawn="1"/>
+        </p:nvPicPr>
+        <p:blipFill>
+          <a:blip r:embed="rId5" cstate="print">
+            <a:extLst>
+              <a:ext uri="{28A0092B-C50C-407E-A947-70E740481C1C}">
+                <a14:useLocalDpi xmlns:a14="http://schemas.microsoft.com/office/drawing/2010/main" val="0"/>
+              </a:ext>
+            </a:extLst>
+          </a:blip>
+          <a:stretch>
+            <a:fillRect/>
+          </a:stretch>
+        </p:blipFill>
+        <p:spPr>
+          <a:xfrm>
+            <a:off x="3590172" y="8960427"/>
+            <a:ext cx="911392" cy="911392"/>
+          </a:xfrm>
+          <a:prstGeom prst="rect">
+            <a:avLst/>
+          </a:prstGeom>
+        </p:spPr>
+      </p:pic>
     </p:spTree>
     <p:extLst>
       <p:ext uri="{BB962C8B-B14F-4D97-AF65-F5344CB8AC3E}">
@@ -2221,7 +2460,7 @@
           <a:p>
             <a:fld id="{FC9269F9-6F79-4414-A84E-D81C6C443C37}" type="datetimeFigureOut">
               <a:rPr lang="de-DE" smtClean="0"/>
-              <a:t>06.12.2019</a:t>
+              <a:t>09.12.2019</a:t>
             </a:fld>
             <a:endParaRPr lang="de-DE"/>
           </a:p>
@@ -2359,6 +2598,149 @@
           </a:p>
         </p:txBody>
       </p:sp>
+      <p:pic>
+        <p:nvPicPr>
+          <p:cNvPr id="9" name="Grafik 8">
+            <a:extLst>
+              <a:ext uri="{FF2B5EF4-FFF2-40B4-BE49-F238E27FC236}">
+                <a16:creationId xmlns:a16="http://schemas.microsoft.com/office/drawing/2014/main" id="{0AF201E5-851D-4DAC-8C72-6E3E10E6ACAB}"/>
+              </a:ext>
+            </a:extLst>
+          </p:cNvPr>
+          <p:cNvPicPr>
+            <a:picLocks noChangeAspect="1"/>
+          </p:cNvPicPr>
+          <p:nvPr userDrawn="1"/>
+        </p:nvPicPr>
+        <p:blipFill>
+          <a:blip r:embed="rId2" cstate="print">
+            <a:extLst>
+              <a:ext uri="{28A0092B-C50C-407E-A947-70E740481C1C}">
+                <a14:useLocalDpi xmlns:a14="http://schemas.microsoft.com/office/drawing/2010/main" val="0"/>
+              </a:ext>
+            </a:extLst>
+          </a:blip>
+          <a:stretch>
+            <a:fillRect/>
+          </a:stretch>
+        </p:blipFill>
+        <p:spPr>
+          <a:xfrm>
+            <a:off x="4501564" y="9267750"/>
+            <a:ext cx="1884949" cy="324000"/>
+          </a:xfrm>
+          <a:prstGeom prst="rect">
+            <a:avLst/>
+          </a:prstGeom>
+        </p:spPr>
+      </p:pic>
+      <p:pic>
+        <p:nvPicPr>
+          <p:cNvPr id="11" name="Grafik 10">
+            <a:extLst>
+              <a:ext uri="{FF2B5EF4-FFF2-40B4-BE49-F238E27FC236}">
+                <a16:creationId xmlns:a16="http://schemas.microsoft.com/office/drawing/2014/main" id="{1D48314A-FD5B-40FC-A88F-0A1C1B4853C7}"/>
+              </a:ext>
+            </a:extLst>
+          </p:cNvPr>
+          <p:cNvPicPr>
+            <a:picLocks noChangeAspect="1"/>
+          </p:cNvPicPr>
+          <p:nvPr userDrawn="1"/>
+        </p:nvPicPr>
+        <p:blipFill rotWithShape="1">
+          <a:blip r:embed="rId3" cstate="print">
+            <a:extLst>
+              <a:ext uri="{28A0092B-C50C-407E-A947-70E740481C1C}">
+                <a14:useLocalDpi xmlns:a14="http://schemas.microsoft.com/office/drawing/2010/main" val="0"/>
+              </a:ext>
+            </a:extLst>
+          </a:blip>
+          <a:srcRect t="15984" b="15885"/>
+          <a:stretch/>
+        </p:blipFill>
+        <p:spPr>
+          <a:xfrm>
+            <a:off x="471488" y="9224307"/>
+            <a:ext cx="1604044" cy="453441"/>
+          </a:xfrm>
+          <a:prstGeom prst="rect">
+            <a:avLst/>
+          </a:prstGeom>
+        </p:spPr>
+      </p:pic>
+      <p:pic>
+        <p:nvPicPr>
+          <p:cNvPr id="12" name="Grafik 11">
+            <a:extLst>
+              <a:ext uri="{FF2B5EF4-FFF2-40B4-BE49-F238E27FC236}">
+                <a16:creationId xmlns:a16="http://schemas.microsoft.com/office/drawing/2014/main" id="{521EB17E-0C01-4739-9B08-B81BD95E6DA1}"/>
+              </a:ext>
+            </a:extLst>
+          </p:cNvPr>
+          <p:cNvPicPr>
+            <a:picLocks noChangeAspect="1"/>
+          </p:cNvPicPr>
+          <p:nvPr userDrawn="1"/>
+        </p:nvPicPr>
+        <p:blipFill>
+          <a:blip r:embed="rId4" cstate="print">
+            <a:extLst>
+              <a:ext uri="{28A0092B-C50C-407E-A947-70E740481C1C}">
+                <a14:useLocalDpi xmlns:a14="http://schemas.microsoft.com/office/drawing/2010/main" val="0"/>
+              </a:ext>
+            </a:extLst>
+          </a:blip>
+          <a:stretch>
+            <a:fillRect/>
+          </a:stretch>
+        </p:blipFill>
+        <p:spPr>
+          <a:xfrm>
+            <a:off x="2074069" y="9099550"/>
+            <a:ext cx="381000" cy="571500"/>
+          </a:xfrm>
+          <a:prstGeom prst="rect">
+            <a:avLst/>
+          </a:prstGeom>
+        </p:spPr>
+      </p:pic>
+      <p:pic>
+        <p:nvPicPr>
+          <p:cNvPr id="13" name="Grafik 12">
+            <a:extLst>
+              <a:ext uri="{FF2B5EF4-FFF2-40B4-BE49-F238E27FC236}">
+                <a16:creationId xmlns:a16="http://schemas.microsoft.com/office/drawing/2014/main" id="{1F73468A-2625-4B6F-A2FC-0AD1AEEFD284}"/>
+              </a:ext>
+            </a:extLst>
+          </p:cNvPr>
+          <p:cNvPicPr>
+            <a:picLocks noChangeAspect="1"/>
+          </p:cNvPicPr>
+          <p:nvPr userDrawn="1"/>
+        </p:nvPicPr>
+        <p:blipFill>
+          <a:blip r:embed="rId5" cstate="print">
+            <a:extLst>
+              <a:ext uri="{28A0092B-C50C-407E-A947-70E740481C1C}">
+                <a14:useLocalDpi xmlns:a14="http://schemas.microsoft.com/office/drawing/2010/main" val="0"/>
+              </a:ext>
+            </a:extLst>
+          </a:blip>
+          <a:stretch>
+            <a:fillRect/>
+          </a:stretch>
+        </p:blipFill>
+        <p:spPr>
+          <a:xfrm>
+            <a:off x="3590172" y="8960427"/>
+            <a:ext cx="911392" cy="911392"/>
+          </a:xfrm>
+          <a:prstGeom prst="rect">
+            <a:avLst/>
+          </a:prstGeom>
+        </p:spPr>
+      </p:pic>
     </p:spTree>
     <p:extLst>
       <p:ext uri="{BB962C8B-B14F-4D97-AF65-F5344CB8AC3E}">
@@ -2585,36 +2967,6 @@
           </a:fontRef>
         </p:style>
       </p:cxnSp>
-      <p:pic>
-        <p:nvPicPr>
-          <p:cNvPr id="18" name="Grafik 17"/>
-          <p:cNvPicPr>
-            <a:picLocks noChangeAspect="1"/>
-          </p:cNvPicPr>
-          <p:nvPr userDrawn="1"/>
-        </p:nvPicPr>
-        <p:blipFill>
-          <a:blip r:embed="rId2" cstate="print">
-            <a:extLst>
-              <a:ext uri="{28A0092B-C50C-407E-A947-70E740481C1C}">
-                <a14:useLocalDpi xmlns:a14="http://schemas.microsoft.com/office/drawing/2010/main" val="0"/>
-              </a:ext>
-            </a:extLst>
-          </a:blip>
-          <a:stretch>
-            <a:fillRect/>
-          </a:stretch>
-        </p:blipFill>
-        <p:spPr>
-          <a:xfrm>
-            <a:off x="4501564" y="9267750"/>
-            <a:ext cx="1884949" cy="324000"/>
-          </a:xfrm>
-          <a:prstGeom prst="rect">
-            <a:avLst/>
-          </a:prstGeom>
-        </p:spPr>
-      </p:pic>
       <p:sp>
         <p:nvSpPr>
           <p:cNvPr id="3" name="Rechteck 2"/>
@@ -2714,7 +3066,7 @@
           <p:nvPr userDrawn="1"/>
         </p:nvPicPr>
         <p:blipFill>
-          <a:blip r:embed="rId3">
+          <a:blip r:embed="rId2">
             <a:extLst>
               <a:ext uri="{28A0092B-C50C-407E-A947-70E740481C1C}">
                 <a14:useLocalDpi xmlns:a14="http://schemas.microsoft.com/office/drawing/2010/main" val="0"/>
@@ -2755,7 +3107,7 @@
           <p:nvPr userDrawn="1"/>
         </p:nvPicPr>
         <p:blipFill>
-          <a:blip r:embed="rId4">
+          <a:blip r:embed="rId3">
             <a:extLst>
               <a:ext uri="{28A0092B-C50C-407E-A947-70E740481C1C}">
                 <a14:useLocalDpi xmlns:a14="http://schemas.microsoft.com/office/drawing/2010/main" val="0"/>
@@ -2796,7 +3148,7 @@
           <p:nvPr userDrawn="1"/>
         </p:nvPicPr>
         <p:blipFill>
-          <a:blip r:embed="rId5">
+          <a:blip r:embed="rId4">
             <a:extLst>
               <a:ext uri="{28A0092B-C50C-407E-A947-70E740481C1C}">
                 <a14:useLocalDpi xmlns:a14="http://schemas.microsoft.com/office/drawing/2010/main" val="0"/>
@@ -2896,39 +3248,10 @@
       </p:sp>
       <p:pic>
         <p:nvPicPr>
-          <p:cNvPr id="19" name="Grafik 18"/>
-          <p:cNvPicPr>
-            <a:picLocks noChangeAspect="1"/>
-          </p:cNvPicPr>
-          <p:nvPr userDrawn="1"/>
-        </p:nvPicPr>
-        <p:blipFill rotWithShape="1">
-          <a:blip r:embed="rId6" cstate="print">
-            <a:extLst>
-              <a:ext uri="{28A0092B-C50C-407E-A947-70E740481C1C}">
-                <a14:useLocalDpi xmlns:a14="http://schemas.microsoft.com/office/drawing/2010/main" val="0"/>
-              </a:ext>
-            </a:extLst>
-          </a:blip>
-          <a:srcRect t="15984" b="15885"/>
-          <a:stretch/>
-        </p:blipFill>
-        <p:spPr>
-          <a:xfrm>
-            <a:off x="471488" y="9224307"/>
-            <a:ext cx="1604044" cy="453441"/>
-          </a:xfrm>
-          <a:prstGeom prst="rect">
-            <a:avLst/>
-          </a:prstGeom>
-        </p:spPr>
-      </p:pic>
-      <p:pic>
-        <p:nvPicPr>
-          <p:cNvPr id="15" name="Grafik 14">
+          <p:cNvPr id="17" name="Grafik 16">
             <a:extLst>
               <a:ext uri="{FF2B5EF4-FFF2-40B4-BE49-F238E27FC236}">
-                <a16:creationId xmlns:a16="http://schemas.microsoft.com/office/drawing/2014/main" id="{F9DBA174-A423-4A91-ABD8-23275ECE3679}"/>
+                <a16:creationId xmlns:a16="http://schemas.microsoft.com/office/drawing/2014/main" id="{7F38CD91-10D1-4CB6-8727-D71C4D97688C}"/>
               </a:ext>
             </a:extLst>
           </p:cNvPr>
@@ -2938,7 +3261,7 @@
           <p:nvPr userDrawn="1"/>
         </p:nvPicPr>
         <p:blipFill>
-          <a:blip r:embed="rId7" cstate="print">
+          <a:blip r:embed="rId5" cstate="print">
             <a:extLst>
               <a:ext uri="{28A0092B-C50C-407E-A947-70E740481C1C}">
                 <a14:useLocalDpi xmlns:a14="http://schemas.microsoft.com/office/drawing/2010/main" val="0"/>
@@ -2951,8 +3274,115 @@
         </p:blipFill>
         <p:spPr>
           <a:xfrm>
+            <a:off x="4501564" y="9267750"/>
+            <a:ext cx="1884949" cy="324000"/>
+          </a:xfrm>
+          <a:prstGeom prst="rect">
+            <a:avLst/>
+          </a:prstGeom>
+        </p:spPr>
+      </p:pic>
+      <p:pic>
+        <p:nvPicPr>
+          <p:cNvPr id="20" name="Grafik 19">
+            <a:extLst>
+              <a:ext uri="{FF2B5EF4-FFF2-40B4-BE49-F238E27FC236}">
+                <a16:creationId xmlns:a16="http://schemas.microsoft.com/office/drawing/2014/main" id="{681A34B2-52D6-4C1F-8A82-37D60FB76CC8}"/>
+              </a:ext>
+            </a:extLst>
+          </p:cNvPr>
+          <p:cNvPicPr>
+            <a:picLocks noChangeAspect="1"/>
+          </p:cNvPicPr>
+          <p:nvPr userDrawn="1"/>
+        </p:nvPicPr>
+        <p:blipFill rotWithShape="1">
+          <a:blip r:embed="rId6" cstate="print">
+            <a:extLst>
+              <a:ext uri="{28A0092B-C50C-407E-A947-70E740481C1C}">
+                <a14:useLocalDpi xmlns:a14="http://schemas.microsoft.com/office/drawing/2010/main" val="0"/>
+              </a:ext>
+            </a:extLst>
+          </a:blip>
+          <a:srcRect t="15984" b="15885"/>
+          <a:stretch/>
+        </p:blipFill>
+        <p:spPr>
+          <a:xfrm>
+            <a:off x="471488" y="9224307"/>
+            <a:ext cx="1604044" cy="453441"/>
+          </a:xfrm>
+          <a:prstGeom prst="rect">
+            <a:avLst/>
+          </a:prstGeom>
+        </p:spPr>
+      </p:pic>
+      <p:pic>
+        <p:nvPicPr>
+          <p:cNvPr id="21" name="Grafik 20">
+            <a:extLst>
+              <a:ext uri="{FF2B5EF4-FFF2-40B4-BE49-F238E27FC236}">
+                <a16:creationId xmlns:a16="http://schemas.microsoft.com/office/drawing/2014/main" id="{9A293336-F6CE-46C3-B65A-4157AC1443AE}"/>
+              </a:ext>
+            </a:extLst>
+          </p:cNvPr>
+          <p:cNvPicPr>
+            <a:picLocks noChangeAspect="1"/>
+          </p:cNvPicPr>
+          <p:nvPr userDrawn="1"/>
+        </p:nvPicPr>
+        <p:blipFill>
+          <a:blip r:embed="rId7" cstate="print">
+            <a:extLst>
+              <a:ext uri="{28A0092B-C50C-407E-A947-70E740481C1C}">
+                <a14:useLocalDpi xmlns:a14="http://schemas.microsoft.com/office/drawing/2010/main" val="0"/>
+              </a:ext>
+            </a:extLst>
+          </a:blip>
+          <a:stretch>
+            <a:fillRect/>
+          </a:stretch>
+        </p:blipFill>
+        <p:spPr>
+          <a:xfrm>
             <a:off x="2074069" y="9099550"/>
             <a:ext cx="381000" cy="571500"/>
+          </a:xfrm>
+          <a:prstGeom prst="rect">
+            <a:avLst/>
+          </a:prstGeom>
+        </p:spPr>
+      </p:pic>
+      <p:pic>
+        <p:nvPicPr>
+          <p:cNvPr id="22" name="Grafik 21">
+            <a:extLst>
+              <a:ext uri="{FF2B5EF4-FFF2-40B4-BE49-F238E27FC236}">
+                <a16:creationId xmlns:a16="http://schemas.microsoft.com/office/drawing/2014/main" id="{033346E4-A4B6-4714-87D4-ADFA5486A3A3}"/>
+              </a:ext>
+            </a:extLst>
+          </p:cNvPr>
+          <p:cNvPicPr>
+            <a:picLocks noChangeAspect="1"/>
+          </p:cNvPicPr>
+          <p:nvPr userDrawn="1"/>
+        </p:nvPicPr>
+        <p:blipFill>
+          <a:blip r:embed="rId8" cstate="print">
+            <a:extLst>
+              <a:ext uri="{28A0092B-C50C-407E-A947-70E740481C1C}">
+                <a14:useLocalDpi xmlns:a14="http://schemas.microsoft.com/office/drawing/2010/main" val="0"/>
+              </a:ext>
+            </a:extLst>
+          </a:blip>
+          <a:stretch>
+            <a:fillRect/>
+          </a:stretch>
+        </p:blipFill>
+        <p:spPr>
+          <a:xfrm>
+            <a:off x="3590172" y="8960427"/>
+            <a:ext cx="911392" cy="911392"/>
           </a:xfrm>
           <a:prstGeom prst="rect">
             <a:avLst/>
@@ -3039,7 +3469,7 @@
           <a:p>
             <a:fld id="{FC9269F9-6F79-4414-A84E-D81C6C443C37}" type="datetimeFigureOut">
               <a:rPr lang="de-DE" smtClean="0"/>
-              <a:t>06.12.2019</a:t>
+              <a:t>09.12.2019</a:t>
             </a:fld>
             <a:endParaRPr lang="de-DE"/>
           </a:p>
@@ -3215,6 +3645,149 @@
           </a:p>
         </p:txBody>
       </p:sp>
+      <p:pic>
+        <p:nvPicPr>
+          <p:cNvPr id="10" name="Grafik 9">
+            <a:extLst>
+              <a:ext uri="{FF2B5EF4-FFF2-40B4-BE49-F238E27FC236}">
+                <a16:creationId xmlns:a16="http://schemas.microsoft.com/office/drawing/2014/main" id="{C6FCFFA6-E2D3-42EA-AB3F-9E72BEEFB84F}"/>
+              </a:ext>
+            </a:extLst>
+          </p:cNvPr>
+          <p:cNvPicPr>
+            <a:picLocks noChangeAspect="1"/>
+          </p:cNvPicPr>
+          <p:nvPr userDrawn="1"/>
+        </p:nvPicPr>
+        <p:blipFill>
+          <a:blip r:embed="rId2" cstate="print">
+            <a:extLst>
+              <a:ext uri="{28A0092B-C50C-407E-A947-70E740481C1C}">
+                <a14:useLocalDpi xmlns:a14="http://schemas.microsoft.com/office/drawing/2010/main" val="0"/>
+              </a:ext>
+            </a:extLst>
+          </a:blip>
+          <a:stretch>
+            <a:fillRect/>
+          </a:stretch>
+        </p:blipFill>
+        <p:spPr>
+          <a:xfrm>
+            <a:off x="4501564" y="9267750"/>
+            <a:ext cx="1884949" cy="324000"/>
+          </a:xfrm>
+          <a:prstGeom prst="rect">
+            <a:avLst/>
+          </a:prstGeom>
+        </p:spPr>
+      </p:pic>
+      <p:pic>
+        <p:nvPicPr>
+          <p:cNvPr id="11" name="Grafik 10">
+            <a:extLst>
+              <a:ext uri="{FF2B5EF4-FFF2-40B4-BE49-F238E27FC236}">
+                <a16:creationId xmlns:a16="http://schemas.microsoft.com/office/drawing/2014/main" id="{903E71E4-8818-4650-A8BA-509F39757563}"/>
+              </a:ext>
+            </a:extLst>
+          </p:cNvPr>
+          <p:cNvPicPr>
+            <a:picLocks noChangeAspect="1"/>
+          </p:cNvPicPr>
+          <p:nvPr userDrawn="1"/>
+        </p:nvPicPr>
+        <p:blipFill rotWithShape="1">
+          <a:blip r:embed="rId3" cstate="print">
+            <a:extLst>
+              <a:ext uri="{28A0092B-C50C-407E-A947-70E740481C1C}">
+                <a14:useLocalDpi xmlns:a14="http://schemas.microsoft.com/office/drawing/2010/main" val="0"/>
+              </a:ext>
+            </a:extLst>
+          </a:blip>
+          <a:srcRect t="15984" b="15885"/>
+          <a:stretch/>
+        </p:blipFill>
+        <p:spPr>
+          <a:xfrm>
+            <a:off x="471488" y="9224307"/>
+            <a:ext cx="1604044" cy="453441"/>
+          </a:xfrm>
+          <a:prstGeom prst="rect">
+            <a:avLst/>
+          </a:prstGeom>
+        </p:spPr>
+      </p:pic>
+      <p:pic>
+        <p:nvPicPr>
+          <p:cNvPr id="13" name="Grafik 12">
+            <a:extLst>
+              <a:ext uri="{FF2B5EF4-FFF2-40B4-BE49-F238E27FC236}">
+                <a16:creationId xmlns:a16="http://schemas.microsoft.com/office/drawing/2014/main" id="{A976DF37-4272-40D5-8713-66DD7A7F9C43}"/>
+              </a:ext>
+            </a:extLst>
+          </p:cNvPr>
+          <p:cNvPicPr>
+            <a:picLocks noChangeAspect="1"/>
+          </p:cNvPicPr>
+          <p:nvPr userDrawn="1"/>
+        </p:nvPicPr>
+        <p:blipFill>
+          <a:blip r:embed="rId4" cstate="print">
+            <a:extLst>
+              <a:ext uri="{28A0092B-C50C-407E-A947-70E740481C1C}">
+                <a14:useLocalDpi xmlns:a14="http://schemas.microsoft.com/office/drawing/2010/main" val="0"/>
+              </a:ext>
+            </a:extLst>
+          </a:blip>
+          <a:stretch>
+            <a:fillRect/>
+          </a:stretch>
+        </p:blipFill>
+        <p:spPr>
+          <a:xfrm>
+            <a:off x="2074069" y="9099550"/>
+            <a:ext cx="381000" cy="571500"/>
+          </a:xfrm>
+          <a:prstGeom prst="rect">
+            <a:avLst/>
+          </a:prstGeom>
+        </p:spPr>
+      </p:pic>
+      <p:pic>
+        <p:nvPicPr>
+          <p:cNvPr id="15" name="Grafik 14">
+            <a:extLst>
+              <a:ext uri="{FF2B5EF4-FFF2-40B4-BE49-F238E27FC236}">
+                <a16:creationId xmlns:a16="http://schemas.microsoft.com/office/drawing/2014/main" id="{9FC34BA6-524E-4CB2-A1B2-E5D9156B2FD2}"/>
+              </a:ext>
+            </a:extLst>
+          </p:cNvPr>
+          <p:cNvPicPr>
+            <a:picLocks noChangeAspect="1"/>
+          </p:cNvPicPr>
+          <p:nvPr userDrawn="1"/>
+        </p:nvPicPr>
+        <p:blipFill>
+          <a:blip r:embed="rId5" cstate="print">
+            <a:extLst>
+              <a:ext uri="{28A0092B-C50C-407E-A947-70E740481C1C}">
+                <a14:useLocalDpi xmlns:a14="http://schemas.microsoft.com/office/drawing/2010/main" val="0"/>
+              </a:ext>
+            </a:extLst>
+          </a:blip>
+          <a:stretch>
+            <a:fillRect/>
+          </a:stretch>
+        </p:blipFill>
+        <p:spPr>
+          <a:xfrm>
+            <a:off x="3590172" y="8960427"/>
+            <a:ext cx="911392" cy="911392"/>
+          </a:xfrm>
+          <a:prstGeom prst="rect">
+            <a:avLst/>
+          </a:prstGeom>
+        </p:spPr>
+      </p:pic>
     </p:spTree>
     <p:extLst>
       <p:ext uri="{BB962C8B-B14F-4D97-AF65-F5344CB8AC3E}">
@@ -3262,7 +3835,7 @@
           <a:p>
             <a:fld id="{FC9269F9-6F79-4414-A84E-D81C6C443C37}" type="datetimeFigureOut">
               <a:rPr lang="de-DE" smtClean="0"/>
-              <a:t>06.12.2019</a:t>
+              <a:t>09.12.2019</a:t>
             </a:fld>
             <a:endParaRPr lang="de-DE"/>
           </a:p>
@@ -3310,6 +3883,149 @@
           </a:p>
         </p:txBody>
       </p:sp>
+      <p:pic>
+        <p:nvPicPr>
+          <p:cNvPr id="6" name="Grafik 5">
+            <a:extLst>
+              <a:ext uri="{FF2B5EF4-FFF2-40B4-BE49-F238E27FC236}">
+                <a16:creationId xmlns:a16="http://schemas.microsoft.com/office/drawing/2014/main" id="{917F6D6F-3E87-433A-BDD4-3D9E695C8558}"/>
+              </a:ext>
+            </a:extLst>
+          </p:cNvPr>
+          <p:cNvPicPr>
+            <a:picLocks noChangeAspect="1"/>
+          </p:cNvPicPr>
+          <p:nvPr userDrawn="1"/>
+        </p:nvPicPr>
+        <p:blipFill>
+          <a:blip r:embed="rId2" cstate="print">
+            <a:extLst>
+              <a:ext uri="{28A0092B-C50C-407E-A947-70E740481C1C}">
+                <a14:useLocalDpi xmlns:a14="http://schemas.microsoft.com/office/drawing/2010/main" val="0"/>
+              </a:ext>
+            </a:extLst>
+          </a:blip>
+          <a:stretch>
+            <a:fillRect/>
+          </a:stretch>
+        </p:blipFill>
+        <p:spPr>
+          <a:xfrm>
+            <a:off x="4501564" y="9267750"/>
+            <a:ext cx="1884949" cy="324000"/>
+          </a:xfrm>
+          <a:prstGeom prst="rect">
+            <a:avLst/>
+          </a:prstGeom>
+        </p:spPr>
+      </p:pic>
+      <p:pic>
+        <p:nvPicPr>
+          <p:cNvPr id="7" name="Grafik 6">
+            <a:extLst>
+              <a:ext uri="{FF2B5EF4-FFF2-40B4-BE49-F238E27FC236}">
+                <a16:creationId xmlns:a16="http://schemas.microsoft.com/office/drawing/2014/main" id="{86C865ED-8EC0-4DAF-A113-4E425E75D88D}"/>
+              </a:ext>
+            </a:extLst>
+          </p:cNvPr>
+          <p:cNvPicPr>
+            <a:picLocks noChangeAspect="1"/>
+          </p:cNvPicPr>
+          <p:nvPr userDrawn="1"/>
+        </p:nvPicPr>
+        <p:blipFill rotWithShape="1">
+          <a:blip r:embed="rId3" cstate="print">
+            <a:extLst>
+              <a:ext uri="{28A0092B-C50C-407E-A947-70E740481C1C}">
+                <a14:useLocalDpi xmlns:a14="http://schemas.microsoft.com/office/drawing/2010/main" val="0"/>
+              </a:ext>
+            </a:extLst>
+          </a:blip>
+          <a:srcRect t="15984" b="15885"/>
+          <a:stretch/>
+        </p:blipFill>
+        <p:spPr>
+          <a:xfrm>
+            <a:off x="471488" y="9224307"/>
+            <a:ext cx="1604044" cy="453441"/>
+          </a:xfrm>
+          <a:prstGeom prst="rect">
+            <a:avLst/>
+          </a:prstGeom>
+        </p:spPr>
+      </p:pic>
+      <p:pic>
+        <p:nvPicPr>
+          <p:cNvPr id="8" name="Grafik 7">
+            <a:extLst>
+              <a:ext uri="{FF2B5EF4-FFF2-40B4-BE49-F238E27FC236}">
+                <a16:creationId xmlns:a16="http://schemas.microsoft.com/office/drawing/2014/main" id="{9A8C18E4-625A-420B-AA32-455867B73260}"/>
+              </a:ext>
+            </a:extLst>
+          </p:cNvPr>
+          <p:cNvPicPr>
+            <a:picLocks noChangeAspect="1"/>
+          </p:cNvPicPr>
+          <p:nvPr userDrawn="1"/>
+        </p:nvPicPr>
+        <p:blipFill>
+          <a:blip r:embed="rId4" cstate="print">
+            <a:extLst>
+              <a:ext uri="{28A0092B-C50C-407E-A947-70E740481C1C}">
+                <a14:useLocalDpi xmlns:a14="http://schemas.microsoft.com/office/drawing/2010/main" val="0"/>
+              </a:ext>
+            </a:extLst>
+          </a:blip>
+          <a:stretch>
+            <a:fillRect/>
+          </a:stretch>
+        </p:blipFill>
+        <p:spPr>
+          <a:xfrm>
+            <a:off x="2074069" y="9099550"/>
+            <a:ext cx="381000" cy="571500"/>
+          </a:xfrm>
+          <a:prstGeom prst="rect">
+            <a:avLst/>
+          </a:prstGeom>
+        </p:spPr>
+      </p:pic>
+      <p:pic>
+        <p:nvPicPr>
+          <p:cNvPr id="9" name="Grafik 8">
+            <a:extLst>
+              <a:ext uri="{FF2B5EF4-FFF2-40B4-BE49-F238E27FC236}">
+                <a16:creationId xmlns:a16="http://schemas.microsoft.com/office/drawing/2014/main" id="{95DBB6C9-2858-48A6-B421-7C3AEE6AB22C}"/>
+              </a:ext>
+            </a:extLst>
+          </p:cNvPr>
+          <p:cNvPicPr>
+            <a:picLocks noChangeAspect="1"/>
+          </p:cNvPicPr>
+          <p:nvPr userDrawn="1"/>
+        </p:nvPicPr>
+        <p:blipFill>
+          <a:blip r:embed="rId5" cstate="print">
+            <a:extLst>
+              <a:ext uri="{28A0092B-C50C-407E-A947-70E740481C1C}">
+                <a14:useLocalDpi xmlns:a14="http://schemas.microsoft.com/office/drawing/2010/main" val="0"/>
+              </a:ext>
+            </a:extLst>
+          </a:blip>
+          <a:stretch>
+            <a:fillRect/>
+          </a:stretch>
+        </p:blipFill>
+        <p:spPr>
+          <a:xfrm>
+            <a:off x="3590172" y="8960427"/>
+            <a:ext cx="911392" cy="911392"/>
+          </a:xfrm>
+          <a:prstGeom prst="rect">
+            <a:avLst/>
+          </a:prstGeom>
+        </p:spPr>
+      </p:pic>
     </p:spTree>
     <p:extLst>
       <p:ext uri="{BB962C8B-B14F-4D97-AF65-F5344CB8AC3E}">
@@ -3475,7 +4191,7 @@
           <a:p>
             <a:fld id="{FC9269F9-6F79-4414-A84E-D81C6C443C37}" type="datetimeFigureOut">
               <a:rPr lang="de-DE" smtClean="0"/>
-              <a:t>06.12.2019</a:t>
+              <a:t>09.12.2019</a:t>
             </a:fld>
             <a:endParaRPr lang="de-DE"/>
           </a:p>
@@ -3560,6 +4276,149 @@
           </a:p>
         </p:txBody>
       </p:sp>
+      <p:pic>
+        <p:nvPicPr>
+          <p:cNvPr id="7" name="Grafik 6">
+            <a:extLst>
+              <a:ext uri="{FF2B5EF4-FFF2-40B4-BE49-F238E27FC236}">
+                <a16:creationId xmlns:a16="http://schemas.microsoft.com/office/drawing/2014/main" id="{939D085F-4E12-4F20-928C-E99F2DE11823}"/>
+              </a:ext>
+            </a:extLst>
+          </p:cNvPr>
+          <p:cNvPicPr>
+            <a:picLocks noChangeAspect="1"/>
+          </p:cNvPicPr>
+          <p:nvPr userDrawn="1"/>
+        </p:nvPicPr>
+        <p:blipFill>
+          <a:blip r:embed="rId10" cstate="print">
+            <a:extLst>
+              <a:ext uri="{28A0092B-C50C-407E-A947-70E740481C1C}">
+                <a14:useLocalDpi xmlns:a14="http://schemas.microsoft.com/office/drawing/2010/main" val="0"/>
+              </a:ext>
+            </a:extLst>
+          </a:blip>
+          <a:stretch>
+            <a:fillRect/>
+          </a:stretch>
+        </p:blipFill>
+        <p:spPr>
+          <a:xfrm>
+            <a:off x="4501564" y="9267750"/>
+            <a:ext cx="1884949" cy="324000"/>
+          </a:xfrm>
+          <a:prstGeom prst="rect">
+            <a:avLst/>
+          </a:prstGeom>
+        </p:spPr>
+      </p:pic>
+      <p:pic>
+        <p:nvPicPr>
+          <p:cNvPr id="8" name="Grafik 7">
+            <a:extLst>
+              <a:ext uri="{FF2B5EF4-FFF2-40B4-BE49-F238E27FC236}">
+                <a16:creationId xmlns:a16="http://schemas.microsoft.com/office/drawing/2014/main" id="{F231F132-C7D6-474A-B7C6-053AA0120D35}"/>
+              </a:ext>
+            </a:extLst>
+          </p:cNvPr>
+          <p:cNvPicPr>
+            <a:picLocks noChangeAspect="1"/>
+          </p:cNvPicPr>
+          <p:nvPr userDrawn="1"/>
+        </p:nvPicPr>
+        <p:blipFill rotWithShape="1">
+          <a:blip r:embed="rId11" cstate="print">
+            <a:extLst>
+              <a:ext uri="{28A0092B-C50C-407E-A947-70E740481C1C}">
+                <a14:useLocalDpi xmlns:a14="http://schemas.microsoft.com/office/drawing/2010/main" val="0"/>
+              </a:ext>
+            </a:extLst>
+          </a:blip>
+          <a:srcRect t="15984" b="15885"/>
+          <a:stretch/>
+        </p:blipFill>
+        <p:spPr>
+          <a:xfrm>
+            <a:off x="471488" y="9224307"/>
+            <a:ext cx="1604044" cy="453441"/>
+          </a:xfrm>
+          <a:prstGeom prst="rect">
+            <a:avLst/>
+          </a:prstGeom>
+        </p:spPr>
+      </p:pic>
+      <p:pic>
+        <p:nvPicPr>
+          <p:cNvPr id="9" name="Grafik 8">
+            <a:extLst>
+              <a:ext uri="{FF2B5EF4-FFF2-40B4-BE49-F238E27FC236}">
+                <a16:creationId xmlns:a16="http://schemas.microsoft.com/office/drawing/2014/main" id="{FC840C04-D36A-4F5B-B7F9-AC84D6F885DF}"/>
+              </a:ext>
+            </a:extLst>
+          </p:cNvPr>
+          <p:cNvPicPr>
+            <a:picLocks noChangeAspect="1"/>
+          </p:cNvPicPr>
+          <p:nvPr userDrawn="1"/>
+        </p:nvPicPr>
+        <p:blipFill>
+          <a:blip r:embed="rId12" cstate="print">
+            <a:extLst>
+              <a:ext uri="{28A0092B-C50C-407E-A947-70E740481C1C}">
+                <a14:useLocalDpi xmlns:a14="http://schemas.microsoft.com/office/drawing/2010/main" val="0"/>
+              </a:ext>
+            </a:extLst>
+          </a:blip>
+          <a:stretch>
+            <a:fillRect/>
+          </a:stretch>
+        </p:blipFill>
+        <p:spPr>
+          <a:xfrm>
+            <a:off x="2074069" y="9099550"/>
+            <a:ext cx="381000" cy="571500"/>
+          </a:xfrm>
+          <a:prstGeom prst="rect">
+            <a:avLst/>
+          </a:prstGeom>
+        </p:spPr>
+      </p:pic>
+      <p:pic>
+        <p:nvPicPr>
+          <p:cNvPr id="10" name="Grafik 9">
+            <a:extLst>
+              <a:ext uri="{FF2B5EF4-FFF2-40B4-BE49-F238E27FC236}">
+                <a16:creationId xmlns:a16="http://schemas.microsoft.com/office/drawing/2014/main" id="{92EABC4D-8644-4565-A5B7-7FCE0C4BFEA2}"/>
+              </a:ext>
+            </a:extLst>
+          </p:cNvPr>
+          <p:cNvPicPr>
+            <a:picLocks noChangeAspect="1"/>
+          </p:cNvPicPr>
+          <p:nvPr userDrawn="1"/>
+        </p:nvPicPr>
+        <p:blipFill>
+          <a:blip r:embed="rId13" cstate="print">
+            <a:extLst>
+              <a:ext uri="{28A0092B-C50C-407E-A947-70E740481C1C}">
+                <a14:useLocalDpi xmlns:a14="http://schemas.microsoft.com/office/drawing/2010/main" val="0"/>
+              </a:ext>
+            </a:extLst>
+          </a:blip>
+          <a:stretch>
+            <a:fillRect/>
+          </a:stretch>
+        </p:blipFill>
+        <p:spPr>
+          <a:xfrm>
+            <a:off x="3590172" y="8960427"/>
+            <a:ext cx="911392" cy="911392"/>
+          </a:xfrm>
+          <a:prstGeom prst="rect">
+            <a:avLst/>
+          </a:prstGeom>
+        </p:spPr>
+      </p:pic>
     </p:spTree>
     <p:extLst>
       <p:ext uri="{BB962C8B-B14F-4D97-AF65-F5344CB8AC3E}">
